--- a/presentation/Support_de_présentation_ModeTrends.pptx
+++ b/presentation/Support_de_présentation_ModeTrends.pptx
@@ -967,7 +967,7 @@
         </p:nvSpPr>
         <p:spPr>
           <a:xfrm>
-            <a:off x="381300" y="685800"/>
+            <a:off x="381000" y="685800"/>
             <a:ext cx="6096000" cy="3429000"/>
           </a:xfrm>
           <a:custGeom>
@@ -9902,7 +9902,74 @@
               </a:spcAft>
               <a:buNone/>
             </a:pPr>
-            <a:endParaRPr/>
+            <a:r>
+              <a:rPr lang="fr-FR" dirty="0"/>
+              <a:t>Le modèle utilisé est Segformer-B2 </a:t>
+            </a:r>
+            <a:r>
+              <a:rPr lang="fr-FR" dirty="0" err="1"/>
+              <a:t>clothes</a:t>
+            </a:r>
+            <a:r>
+              <a:rPr lang="fr-FR" dirty="0"/>
+              <a:t>, hébergé sur </a:t>
+            </a:r>
+            <a:r>
+              <a:rPr lang="fr-FR" dirty="0" err="1"/>
+              <a:t>Hugging</a:t>
+            </a:r>
+            <a:r>
+              <a:rPr lang="fr-FR" dirty="0"/>
+              <a:t> </a:t>
+            </a:r>
+            <a:r>
+              <a:rPr lang="fr-FR" dirty="0" err="1"/>
+              <a:t>Face.C’est</a:t>
+            </a:r>
+            <a:r>
+              <a:rPr lang="fr-FR" dirty="0"/>
+              <a:t> un modèle de segmentation sémantique basé sur un backbone transformer, sans convolutions, ce qui le rend:</a:t>
+            </a:r>
+            <a:br>
+              <a:rPr lang="fr-FR" dirty="0"/>
+            </a:br>
+            <a:r>
+              <a:rPr lang="fr-FR" dirty="0"/>
+              <a:t>léger,</a:t>
+            </a:r>
+            <a:br>
+              <a:rPr lang="fr-FR" dirty="0"/>
+            </a:br>
+            <a:r>
+              <a:rPr lang="fr-FR" dirty="0"/>
+              <a:t>rapide à inférer,</a:t>
+            </a:r>
+            <a:br>
+              <a:rPr lang="fr-FR" dirty="0"/>
+            </a:br>
+            <a:r>
+              <a:rPr lang="fr-FR" dirty="0"/>
+              <a:t>performant sur des images complexes.</a:t>
+            </a:r>
+            <a:br>
+              <a:rPr lang="fr-FR" dirty="0"/>
+            </a:br>
+            <a:br>
+              <a:rPr lang="fr-FR" dirty="0"/>
+            </a:br>
+            <a:r>
+              <a:rPr lang="fr-FR" dirty="0"/>
+              <a:t>Il prédit pour chaque pixel une classe vestimentaire parmi 18 catégories (haut, jupe, lunettes, chapeau, etc.).L’image est transformée via un pipeline (</a:t>
+            </a:r>
+            <a:r>
+              <a:rPr lang="fr-FR" dirty="0" err="1"/>
+              <a:t>SegformerImageProcessor</a:t>
+            </a:r>
+            <a:r>
+              <a:rPr lang="fr-FR" dirty="0"/>
+              <a:t>), puis le modèle renvoie un masque de prédictions.</a:t>
+            </a:r>
+            <a:endParaRPr dirty="0"/>
           </a:p>
         </p:txBody>
       </p:sp>

--- a/presentation/Support_de_présentation_ModeTrends.pptx
+++ b/presentation/Support_de_présentation_ModeTrends.pptx
@@ -20,25 +20,18 @@
   <p:notesSz cx="6858000" cy="9144000"/>
   <p:embeddedFontLst>
     <p:embeddedFont>
-      <p:font typeface="Inter" panose="020B0604020202020204" charset="0"/>
+      <p:font typeface="Lato" panose="020F0502020204030203" pitchFamily="34" charset="0"/>
       <p:regular r:id="rId10"/>
       <p:bold r:id="rId11"/>
       <p:italic r:id="rId12"/>
       <p:boldItalic r:id="rId13"/>
     </p:embeddedFont>
     <p:embeddedFont>
-      <p:font typeface="Lato" panose="020F0502020204030203" pitchFamily="34" charset="0"/>
+      <p:font typeface="Montserrat" panose="00000500000000000000" pitchFamily="2" charset="0"/>
       <p:regular r:id="rId14"/>
       <p:bold r:id="rId15"/>
       <p:italic r:id="rId16"/>
       <p:boldItalic r:id="rId17"/>
-    </p:embeddedFont>
-    <p:embeddedFont>
-      <p:font typeface="Montserrat" panose="00000500000000000000" pitchFamily="2" charset="0"/>
-      <p:regular r:id="rId18"/>
-      <p:bold r:id="rId19"/>
-      <p:italic r:id="rId20"/>
-      <p:boldItalic r:id="rId21"/>
     </p:embeddedFont>
   </p:embeddedFontLst>
   <p:defaultTextStyle>
@@ -1071,7 +1064,7 @@
         </p:nvSpPr>
         <p:spPr>
           <a:xfrm>
-            <a:off x="381300" y="685800"/>
+            <a:off x="381000" y="685800"/>
             <a:ext cx="6096000" cy="3429000"/>
           </a:xfrm>
           <a:custGeom>
@@ -1279,7 +1272,7 @@
         </p:nvSpPr>
         <p:spPr>
           <a:xfrm>
-            <a:off x="381300" y="685800"/>
+            <a:off x="381000" y="685800"/>
             <a:ext cx="6096000" cy="3429000"/>
           </a:xfrm>
           <a:custGeom>
@@ -1383,7 +1376,7 @@
         </p:nvSpPr>
         <p:spPr>
           <a:xfrm>
-            <a:off x="381300" y="685800"/>
+            <a:off x="381000" y="685800"/>
             <a:ext cx="6096000" cy="3429000"/>
           </a:xfrm>
           <a:custGeom>
@@ -10061,10 +10054,169 @@
         </p:spPr>
         <p:txBody>
           <a:bodyPr spcFirstLastPara="1" wrap="square" lIns="91425" tIns="91425" rIns="91425" bIns="91425" anchor="t" anchorCtr="0">
-            <a:normAutofit/>
+            <a:normAutofit fontScale="92500" lnSpcReduction="10000"/>
           </a:bodyPr>
           <a:lstStyle/>
           <a:p>
+            <a:pPr marL="0" indent="0">
+              <a:spcAft>
+                <a:spcPts val="1200"/>
+              </a:spcAft>
+              <a:buNone/>
+            </a:pPr>
+            <a:r>
+              <a:rPr lang="fr-FR" b="1" u="sng" dirty="0"/>
+              <a:t>Performances globales</a:t>
+            </a:r>
+            <a:br>
+              <a:rPr lang="fr-FR" dirty="0"/>
+            </a:br>
+            <a:r>
+              <a:rPr lang="fr-FR" dirty="0" err="1"/>
+              <a:t>Dice</a:t>
+            </a:r>
+            <a:r>
+              <a:rPr lang="fr-FR" dirty="0"/>
+              <a:t> Score moyen : 0.796 — très satisfaisant pour un modèle prêt à l’emploi sans fine-tuning.</a:t>
+            </a:r>
+            <a:br>
+              <a:rPr lang="fr-FR" dirty="0"/>
+            </a:br>
+            <a:r>
+              <a:rPr lang="fr-FR" dirty="0" err="1"/>
+              <a:t>mIoU</a:t>
+            </a:r>
+            <a:r>
+              <a:rPr lang="fr-FR" dirty="0"/>
+              <a:t> globale : 0.688 — plutôt bon, mais perfectible.</a:t>
+            </a:r>
+            <a:br>
+              <a:rPr lang="fr-FR" dirty="0"/>
+            </a:br>
+            <a:br>
+              <a:rPr lang="fr-FR" dirty="0"/>
+            </a:br>
+            <a:r>
+              <a:rPr lang="fr-FR" b="1" u="sng" dirty="0"/>
+              <a:t>Catégories les mieux reconnues</a:t>
+            </a:r>
+            <a:br>
+              <a:rPr lang="fr-FR" dirty="0"/>
+            </a:br>
+            <a:r>
+              <a:rPr lang="fr-FR" dirty="0"/>
+              <a:t>Background, </a:t>
+            </a:r>
+            <a:r>
+              <a:rPr lang="fr-FR" dirty="0" err="1"/>
+              <a:t>Upper-clothes</a:t>
+            </a:r>
+            <a:r>
+              <a:rPr lang="fr-FR" dirty="0"/>
+              <a:t>, Pants et </a:t>
+            </a:r>
+            <a:r>
+              <a:rPr lang="fr-FR" dirty="0" err="1"/>
+              <a:t>Dress</a:t>
+            </a:r>
+            <a:r>
+              <a:rPr lang="fr-FR" dirty="0"/>
+              <a:t> dépassent 0.85 en </a:t>
+            </a:r>
+            <a:r>
+              <a:rPr lang="fr-FR" dirty="0" err="1"/>
+              <a:t>IoU</a:t>
+            </a:r>
+            <a:r>
+              <a:rPr lang="fr-FR" dirty="0"/>
+              <a:t> et 0.9 en </a:t>
+            </a:r>
+            <a:r>
+              <a:rPr lang="fr-FR" dirty="0" err="1"/>
+              <a:t>Dice</a:t>
+            </a:r>
+            <a:r>
+              <a:rPr lang="fr-FR" dirty="0"/>
+              <a:t>, ce qui indique une segmentation très fiable.</a:t>
+            </a:r>
+            <a:br>
+              <a:rPr lang="fr-FR" dirty="0"/>
+            </a:br>
+            <a:br>
+              <a:rPr lang="fr-FR" dirty="0"/>
+            </a:br>
+            <a:r>
+              <a:rPr lang="fr-FR" b="1" u="sng" dirty="0"/>
+              <a:t>Catégories à faible performance</a:t>
+            </a:r>
+            <a:br>
+              <a:rPr lang="fr-FR" dirty="0"/>
+            </a:br>
+            <a:r>
+              <a:rPr lang="fr-FR" dirty="0" err="1"/>
+              <a:t>Sunglasses</a:t>
+            </a:r>
+            <a:r>
+              <a:rPr lang="fr-FR" dirty="0"/>
+              <a:t>, Belt, </a:t>
+            </a:r>
+            <a:r>
+              <a:rPr lang="fr-FR" dirty="0" err="1"/>
+              <a:t>Left-shoe</a:t>
+            </a:r>
+            <a:r>
+              <a:rPr lang="fr-FR" dirty="0"/>
+              <a:t>, Hat, Right-</a:t>
+            </a:r>
+            <a:r>
+              <a:rPr lang="fr-FR" dirty="0" err="1"/>
+              <a:t>shoe</a:t>
+            </a:r>
+            <a:r>
+              <a:rPr lang="fr-FR" dirty="0"/>
+              <a:t> ont une </a:t>
+            </a:r>
+            <a:r>
+              <a:rPr lang="fr-FR" dirty="0" err="1"/>
+              <a:t>IoU</a:t>
+            </a:r>
+            <a:r>
+              <a:rPr lang="fr-FR" dirty="0"/>
+              <a:t> &lt; 0.55, avec </a:t>
+            </a:r>
+            <a:r>
+              <a:rPr lang="fr-FR" dirty="0" err="1"/>
+              <a:t>Sunglasses</a:t>
+            </a:r>
+            <a:r>
+              <a:rPr lang="fr-FR" dirty="0"/>
+              <a:t> tombant à 0.19 de </a:t>
+            </a:r>
+            <a:r>
+              <a:rPr lang="fr-FR" dirty="0" err="1"/>
+              <a:t>IoU</a:t>
+            </a:r>
+            <a:r>
+              <a:rPr lang="fr-FR" dirty="0"/>
+              <a:t> et 0.32 en </a:t>
+            </a:r>
+            <a:r>
+              <a:rPr lang="fr-FR" dirty="0" err="1"/>
+              <a:t>Dice</a:t>
+            </a:r>
+            <a:r>
+              <a:rPr lang="fr-FR" dirty="0"/>
+              <a:t>.</a:t>
+            </a:r>
+            <a:br>
+              <a:rPr lang="fr-FR" dirty="0"/>
+            </a:br>
+            <a:r>
+              <a:rPr lang="fr-FR" dirty="0"/>
+              <a:t>Ces classes sont probablement sous-représentées dans les images ou trop petites pour être bien captées à cette résolution.</a:t>
+            </a:r>
+          </a:p>
+          <a:p>
             <a:pPr marL="0" lvl="0" indent="0" algn="l" rtl="0">
               <a:spcBef>
                 <a:spcPts val="0"/>
@@ -10074,7 +10226,7 @@
               </a:spcAft>
               <a:buNone/>
             </a:pPr>
-            <a:endParaRPr/>
+            <a:endParaRPr dirty="0"/>
           </a:p>
         </p:txBody>
       </p:sp>
@@ -10166,170 +10318,301 @@
         </p:spPr>
         <p:txBody>
           <a:bodyPr spcFirstLastPara="1" wrap="square" lIns="91425" tIns="91425" rIns="91425" bIns="91425" anchor="t" anchorCtr="0">
-            <a:normAutofit fontScale="92500" lnSpcReduction="10000"/>
+            <a:normAutofit fontScale="85000" lnSpcReduction="20000"/>
           </a:bodyPr>
           <a:lstStyle/>
           <a:p>
-            <a:pPr marL="0" lvl="0" indent="0" algn="l" rtl="0">
-              <a:spcBef>
-                <a:spcPts val="0"/>
-              </a:spcBef>
-              <a:spcAft>
-                <a:spcPts val="1200"/>
-              </a:spcAft>
+            <a:pPr>
               <a:buNone/>
             </a:pPr>
             <a:r>
-              <a:rPr lang="fr-FR" b="1" u="sng" dirty="0"/>
-              <a:t>Performances globales</a:t>
+              <a:rPr lang="fr-FR" dirty="0"/>
+              <a:t>L'évaluation réalisée sur l'échantillon testé montre des </a:t>
+            </a:r>
+            <a:r>
+              <a:rPr lang="fr-FR" b="1" dirty="0"/>
+              <a:t>performances globales solides</a:t>
+            </a:r>
+            <a:r>
+              <a:rPr lang="fr-FR" dirty="0"/>
+              <a:t>, notamment sur les catégories principales de vêtements.</a:t>
             </a:r>
             <a:br>
               <a:rPr lang="fr-FR" dirty="0"/>
             </a:br>
             <a:r>
+              <a:rPr lang="fr-FR" dirty="0"/>
+              <a:t>Avec un </a:t>
+            </a:r>
+            <a:r>
+              <a:rPr lang="fr-FR" b="1" dirty="0" err="1"/>
+              <a:t>Dice</a:t>
+            </a:r>
+            <a:r>
+              <a:rPr lang="fr-FR" b="1" dirty="0"/>
+              <a:t> Score moyen de 0.796 et un </a:t>
+            </a:r>
+            <a:r>
+              <a:rPr lang="fr-FR" b="1" dirty="0" err="1"/>
+              <a:t>mIoU</a:t>
+            </a:r>
+            <a:r>
+              <a:rPr lang="fr-FR" b="1" dirty="0"/>
+              <a:t> de 0.688</a:t>
+            </a:r>
+            <a:r>
+              <a:rPr lang="fr-FR" dirty="0"/>
+              <a:t>, le modèle démontre une </a:t>
+            </a:r>
+            <a:r>
+              <a:rPr lang="fr-FR" b="1" dirty="0"/>
+              <a:t>capacité de segmentation satisfaisante pour une utilisation opérationnelle sans fine-tuning préalable</a:t>
+            </a:r>
+            <a:r>
+              <a:rPr lang="fr-FR" dirty="0"/>
+              <a:t>.</a:t>
+            </a:r>
+          </a:p>
+          <a:p>
+            <a:pPr>
+              <a:buNone/>
+            </a:pPr>
+            <a:endParaRPr lang="fr-FR" dirty="0"/>
+          </a:p>
+          <a:p>
+            <a:pPr>
+              <a:buNone/>
+            </a:pPr>
+            <a:r>
+              <a:rPr lang="fr-FR" dirty="0"/>
+              <a:t>Les </a:t>
+            </a:r>
+            <a:r>
+              <a:rPr lang="fr-FR" b="1" dirty="0"/>
+              <a:t>catégories majeures comme "Background", "</a:t>
+            </a:r>
+            <a:r>
+              <a:rPr lang="fr-FR" b="1" dirty="0" err="1"/>
+              <a:t>Upper-clothes</a:t>
+            </a:r>
+            <a:r>
+              <a:rPr lang="fr-FR" b="1" dirty="0"/>
+              <a:t>", "Pants" et "</a:t>
+            </a:r>
+            <a:r>
+              <a:rPr lang="fr-FR" b="1" dirty="0" err="1"/>
+              <a:t>Dress</a:t>
+            </a:r>
+            <a:r>
+              <a:rPr lang="fr-FR" b="1" dirty="0"/>
+              <a:t>" sont particulièrement bien segmentées</a:t>
+            </a:r>
+            <a:r>
+              <a:rPr lang="fr-FR" dirty="0"/>
+              <a:t>, dépassant les 0.85 de </a:t>
+            </a:r>
+            <a:r>
+              <a:rPr lang="fr-FR" dirty="0" err="1"/>
+              <a:t>IoU</a:t>
+            </a:r>
+            <a:r>
+              <a:rPr lang="fr-FR" dirty="0"/>
+              <a:t> et les 0.9 en </a:t>
+            </a:r>
+            <a:r>
               <a:rPr lang="fr-FR" dirty="0" err="1"/>
               <a:t>Dice</a:t>
             </a:r>
             <a:r>
               <a:rPr lang="fr-FR" dirty="0"/>
-              <a:t> Score moyen : 0.796 — très satisfaisant pour un modèle prêt à l’emploi sans fine-tuning.</a:t>
-            </a:r>
-            <a:br>
+              <a:t>, garantissant ainsi une bonne fiabilité pour les cas d'usage centrés sur ces éléments.</a:t>
+            </a:r>
+          </a:p>
+          <a:p>
+            <a:pPr>
+              <a:buNone/>
+            </a:pPr>
+            <a:endParaRPr lang="fr-FR" dirty="0"/>
+          </a:p>
+          <a:p>
+            <a:pPr>
+              <a:buNone/>
+            </a:pPr>
+            <a:r>
               <a:rPr lang="fr-FR" dirty="0"/>
-            </a:br>
-            <a:r>
-              <a:rPr lang="fr-FR" dirty="0" err="1"/>
+              <a:t>Cependant, des </a:t>
+            </a:r>
+            <a:r>
+              <a:rPr lang="fr-FR" b="1" dirty="0"/>
+              <a:t>limites sont identifiées sur certaines classes accessoires ou de petite taille</a:t>
+            </a:r>
+            <a:r>
+              <a:rPr lang="fr-FR" dirty="0"/>
+              <a:t>, telles que :</a:t>
+            </a:r>
+          </a:p>
+          <a:p>
+            <a:pPr>
+              <a:buFont typeface="Arial" panose="020B0604020202020204" pitchFamily="34" charset="0"/>
+              <a:buChar char="•"/>
+            </a:pPr>
+            <a:r>
+              <a:rPr lang="fr-FR" b="1" dirty="0" err="1"/>
+              <a:t>Sunglasses</a:t>
+            </a:r>
+            <a:r>
+              <a:rPr lang="fr-FR" dirty="0"/>
+              <a:t>, </a:t>
+            </a:r>
+            <a:r>
+              <a:rPr lang="fr-FR" b="1" dirty="0"/>
+              <a:t>Belt</a:t>
+            </a:r>
+            <a:r>
+              <a:rPr lang="fr-FR" dirty="0"/>
+              <a:t>, </a:t>
+            </a:r>
+            <a:r>
+              <a:rPr lang="fr-FR" b="1" dirty="0" err="1"/>
+              <a:t>Left-shoe</a:t>
+            </a:r>
+            <a:r>
+              <a:rPr lang="fr-FR" dirty="0"/>
+              <a:t>, </a:t>
+            </a:r>
+            <a:r>
+              <a:rPr lang="fr-FR" b="1" dirty="0"/>
+              <a:t>Hat</a:t>
+            </a:r>
+            <a:r>
+              <a:rPr lang="fr-FR" dirty="0"/>
+              <a:t> et </a:t>
+            </a:r>
+            <a:r>
+              <a:rPr lang="fr-FR" b="1" dirty="0"/>
+              <a:t>Right-</a:t>
+            </a:r>
+            <a:r>
+              <a:rPr lang="fr-FR" b="1" dirty="0" err="1"/>
+              <a:t>shoe</a:t>
+            </a:r>
+            <a:r>
+              <a:rPr lang="fr-FR" dirty="0"/>
+              <a:t>,</a:t>
+            </a:r>
+          </a:p>
+          <a:p>
+            <a:pPr>
+              <a:buFont typeface="Arial" panose="020B0604020202020204" pitchFamily="34" charset="0"/>
+              <a:buChar char="•"/>
+            </a:pPr>
+            <a:r>
+              <a:rPr lang="fr-FR" dirty="0"/>
+              <a:t>Pour lesquelles le </a:t>
+            </a:r>
+            <a:r>
+              <a:rPr lang="fr-FR" b="1" dirty="0" err="1"/>
               <a:t>mIoU</a:t>
             </a:r>
             <a:r>
+              <a:rPr lang="fr-FR" b="1" dirty="0"/>
+              <a:t> reste inférieur à 0.55</a:t>
+            </a:r>
+            <a:r>
               <a:rPr lang="fr-FR" dirty="0"/>
-              <a:t> globale : 0.688 — plutôt bon, mais perfectible.</a:t>
-            </a:r>
-            <a:br>
-              <a:rPr lang="fr-FR" dirty="0"/>
-            </a:br>
-            <a:br>
-              <a:rPr lang="fr-FR" dirty="0"/>
-            </a:br>
-            <a:r>
-              <a:rPr lang="fr-FR" b="1" u="sng" dirty="0"/>
-              <a:t>Catégories les mieux reconnues</a:t>
-            </a:r>
-            <a:br>
-              <a:rPr lang="fr-FR" dirty="0"/>
-            </a:br>
-            <a:r>
-              <a:rPr lang="fr-FR" dirty="0"/>
-              <a:t>Background, </a:t>
-            </a:r>
-            <a:r>
-              <a:rPr lang="fr-FR" dirty="0" err="1"/>
-              <a:t>Upper-clothes</a:t>
-            </a:r>
-            <a:r>
-              <a:rPr lang="fr-FR" dirty="0"/>
-              <a:t>, Pants et </a:t>
-            </a:r>
-            <a:r>
-              <a:rPr lang="fr-FR" dirty="0" err="1"/>
-              <a:t>Dress</a:t>
-            </a:r>
-            <a:r>
-              <a:rPr lang="fr-FR" dirty="0"/>
-              <a:t> dépassent 0.85 en </a:t>
-            </a:r>
-            <a:r>
-              <a:rPr lang="fr-FR" dirty="0" err="1"/>
+              <a:t>, avec des </a:t>
+            </a:r>
+            <a:r>
+              <a:rPr lang="fr-FR" b="1" dirty="0"/>
+              <a:t>résultats particulièrement faibles sur "</a:t>
+            </a:r>
+            <a:r>
+              <a:rPr lang="fr-FR" b="1" dirty="0" err="1"/>
+              <a:t>Sunglasses</a:t>
+            </a:r>
+            <a:r>
+              <a:rPr lang="fr-FR" b="1" dirty="0"/>
+              <a:t>" (</a:t>
+            </a:r>
+            <a:r>
+              <a:rPr lang="fr-FR" b="1" dirty="0" err="1"/>
               <a:t>IoU</a:t>
             </a:r>
             <a:r>
-              <a:rPr lang="fr-FR" dirty="0"/>
-              <a:t> et 0.9 en </a:t>
-            </a:r>
-            <a:r>
-              <a:rPr lang="fr-FR" dirty="0" err="1"/>
+              <a:rPr lang="fr-FR" b="1" dirty="0"/>
+              <a:t> de 0.19 et </a:t>
+            </a:r>
+            <a:r>
+              <a:rPr lang="fr-FR" b="1" dirty="0" err="1"/>
               <a:t>Dice</a:t>
             </a:r>
             <a:r>
-              <a:rPr lang="fr-FR" dirty="0"/>
-              <a:t>, ce qui indique une segmentation très fiable.</a:t>
-            </a:r>
-            <a:br>
-              <a:rPr lang="fr-FR" dirty="0"/>
-            </a:br>
-            <a:br>
-              <a:rPr lang="fr-FR" dirty="0"/>
-            </a:br>
-            <a:r>
-              <a:rPr lang="fr-FR" b="1" u="sng" dirty="0"/>
-              <a:t>Catégories à faible performance</a:t>
-            </a:r>
-            <a:br>
-              <a:rPr lang="fr-FR" dirty="0"/>
-            </a:br>
-            <a:r>
-              <a:rPr lang="fr-FR" dirty="0" err="1"/>
-              <a:t>Sunglasses</a:t>
-            </a:r>
-            <a:r>
-              <a:rPr lang="fr-FR" dirty="0"/>
-              <a:t>, Belt, </a:t>
-            </a:r>
-            <a:r>
-              <a:rPr lang="fr-FR" dirty="0" err="1"/>
-              <a:t>Left-shoe</a:t>
-            </a:r>
-            <a:r>
-              <a:rPr lang="fr-FR" dirty="0"/>
-              <a:t>, Hat, Right-</a:t>
-            </a:r>
-            <a:r>
-              <a:rPr lang="fr-FR" dirty="0" err="1"/>
-              <a:t>shoe</a:t>
-            </a:r>
-            <a:r>
-              <a:rPr lang="fr-FR" dirty="0"/>
-              <a:t> ont une </a:t>
-            </a:r>
-            <a:r>
-              <a:rPr lang="fr-FR" dirty="0" err="1"/>
-              <a:t>IoU</a:t>
-            </a:r>
-            <a:r>
-              <a:rPr lang="fr-FR" dirty="0"/>
-              <a:t> &lt; 0.55, avec </a:t>
-            </a:r>
-            <a:r>
-              <a:rPr lang="fr-FR" dirty="0" err="1"/>
-              <a:t>Sunglasses</a:t>
-            </a:r>
-            <a:r>
-              <a:rPr lang="fr-FR" dirty="0"/>
-              <a:t> tombant à 0.19 de </a:t>
-            </a:r>
-            <a:r>
-              <a:rPr lang="fr-FR" dirty="0" err="1"/>
-              <a:t>IoU</a:t>
-            </a:r>
-            <a:r>
-              <a:rPr lang="fr-FR" dirty="0"/>
-              <a:t> et 0.32 en </a:t>
-            </a:r>
-            <a:r>
-              <a:rPr lang="fr-FR" dirty="0" err="1"/>
-              <a:t>Dice</a:t>
+              <a:rPr lang="fr-FR" b="1" dirty="0"/>
+              <a:t> de 0.32)</a:t>
             </a:r>
             <a:r>
               <a:rPr lang="fr-FR" dirty="0"/>
               <a:t>.</a:t>
             </a:r>
-            <a:br>
+          </a:p>
+          <a:p>
+            <a:pPr>
+              <a:buFont typeface="Arial" panose="020B0604020202020204" pitchFamily="34" charset="0"/>
+              <a:buChar char="•"/>
+            </a:pPr>
+            <a:endParaRPr lang="fr-FR" dirty="0"/>
+          </a:p>
+          <a:p>
+            <a:pPr>
+              <a:buNone/>
+            </a:pPr>
+            <a:r>
               <a:rPr lang="fr-FR" dirty="0"/>
-            </a:br>
+              <a:t>Ces écarts peuvent être attribués à :</a:t>
+            </a:r>
+          </a:p>
+          <a:p>
+            <a:pPr>
+              <a:buFont typeface="Arial" panose="020B0604020202020204" pitchFamily="34" charset="0"/>
+              <a:buChar char="•"/>
+            </a:pPr>
+            <a:r>
+              <a:rPr lang="fr-FR" b="1" dirty="0"/>
+              <a:t>Une sous-représentation probable de ces classes dans le </a:t>
+            </a:r>
+            <a:r>
+              <a:rPr lang="fr-FR" b="1" dirty="0" err="1"/>
+              <a:t>dataset</a:t>
+            </a:r>
             <a:r>
               <a:rPr lang="fr-FR" dirty="0"/>
-              <a:t>Ces classes sont probablement sous-représentées dans les images ou trop petites pour être bien captées à cette résolution.</a:t>
-            </a:r>
+              <a:t>.</a:t>
+            </a:r>
+          </a:p>
+          <a:p>
+            <a:pPr>
+              <a:buFont typeface="Arial" panose="020B0604020202020204" pitchFamily="34" charset="0"/>
+              <a:buChar char="•"/>
+            </a:pPr>
+            <a:r>
+              <a:rPr lang="fr-FR" b="1" dirty="0"/>
+              <a:t>La difficulté du modèle à bien capturer les objets petits ou fins à la résolution actuelle (512x512)</a:t>
+            </a:r>
+            <a:r>
+              <a:rPr lang="fr-FR" dirty="0"/>
+              <a:t>.</a:t>
+            </a:r>
+          </a:p>
+          <a:p>
+            <a:pPr marL="0" lvl="0" indent="0" algn="l" rtl="0">
+              <a:spcBef>
+                <a:spcPts val="0"/>
+              </a:spcBef>
+              <a:spcAft>
+                <a:spcPts val="1200"/>
+              </a:spcAft>
+              <a:buNone/>
+            </a:pPr>
             <a:endParaRPr dirty="0"/>
           </a:p>
         </p:txBody>
@@ -10426,6 +10709,53 @@
           </a:bodyPr>
           <a:lstStyle/>
           <a:p>
+            <a:pPr>
+              <a:buNone/>
+            </a:pPr>
+            <a:r>
+              <a:rPr lang="fr-FR" sz="1100" b="1" u="sng" dirty="0"/>
+              <a:t>Budget prévisionnel (fourchette) :</a:t>
+            </a:r>
+          </a:p>
+          <a:p>
+            <a:pPr>
+              <a:buFont typeface="Arial" panose="020B0604020202020204" pitchFamily="34" charset="0"/>
+              <a:buChar char="•"/>
+            </a:pPr>
+            <a:r>
+              <a:rPr lang="fr-FR" sz="1100" b="1" dirty="0"/>
+              <a:t>En mode API </a:t>
+            </a:r>
+            <a:r>
+              <a:rPr lang="fr-FR" sz="1100" b="1" dirty="0" err="1"/>
+              <a:t>Hugging</a:t>
+            </a:r>
+            <a:r>
+              <a:rPr lang="fr-FR" sz="1100" b="1" dirty="0"/>
+              <a:t> Face full cloud : ~500 $</a:t>
+            </a:r>
+            <a:endParaRPr lang="fr-FR" sz="1100" dirty="0"/>
+          </a:p>
+          <a:p>
+            <a:pPr>
+              <a:buFont typeface="Arial" panose="020B0604020202020204" pitchFamily="34" charset="0"/>
+              <a:buChar char="•"/>
+            </a:pPr>
+            <a:r>
+              <a:rPr lang="fr-FR" sz="1100" b="1" dirty="0"/>
+              <a:t>En mode self-</a:t>
+            </a:r>
+            <a:r>
+              <a:rPr lang="fr-FR" sz="1100" b="1" dirty="0" err="1"/>
+              <a:t>hosted</a:t>
+            </a:r>
+            <a:r>
+              <a:rPr lang="fr-FR" sz="1100" b="1" dirty="0"/>
+              <a:t> EC2 + S3 + orchestration : ~50–80 $</a:t>
+            </a:r>
+            <a:endParaRPr lang="fr-FR" sz="1100" dirty="0"/>
+          </a:p>
+          <a:p>
             <a:pPr marL="0" lvl="0" indent="0" algn="l" rtl="0">
               <a:spcBef>
                 <a:spcPts val="0"/>
@@ -10435,14 +10765,1450 @@
               </a:spcAft>
               <a:buNone/>
             </a:pPr>
-            <a:r>
-              <a:rPr lang="fr" dirty="0"/>
-              <a:t>Chiffrez notamment ici le coût pour 30 jours d’utilisation et 500 000 images. </a:t>
-            </a:r>
-            <a:endParaRPr dirty="0"/>
+            <a:endParaRPr sz="1100" dirty="0"/>
           </a:p>
         </p:txBody>
       </p:sp>
+      <p:graphicFrame>
+        <p:nvGraphicFramePr>
+          <p:cNvPr id="2" name="Tableau 1">
+            <a:extLst>
+              <a:ext uri="{FF2B5EF4-FFF2-40B4-BE49-F238E27FC236}">
+                <a16:creationId xmlns:a16="http://schemas.microsoft.com/office/drawing/2014/main" id="{34BFD343-59AE-6823-B4ED-FF0D89BE04FC}"/>
+              </a:ext>
+            </a:extLst>
+          </p:cNvPr>
+          <p:cNvGraphicFramePr>
+            <a:graphicFrameLocks noGrp="1"/>
+          </p:cNvGraphicFramePr>
+          <p:nvPr>
+            <p:extLst>
+              <p:ext uri="{D42A27DB-BD31-4B8C-83A1-F6EECF244321}">
+                <p14:modId xmlns:p14="http://schemas.microsoft.com/office/powerpoint/2010/main" val="3770334202"/>
+              </p:ext>
+            </p:extLst>
+          </p:nvPr>
+        </p:nvGraphicFramePr>
+        <p:xfrm>
+          <a:off x="1539688" y="2359959"/>
+          <a:ext cx="6165477" cy="2615453"/>
+        </p:xfrm>
+        <a:graphic>
+          <a:graphicData uri="http://schemas.openxmlformats.org/drawingml/2006/table">
+            <a:tbl>
+              <a:tblPr/>
+              <a:tblGrid>
+                <a:gridCol w="2055159">
+                  <a:extLst>
+                    <a:ext uri="{9D8B030D-6E8A-4147-A177-3AD203B41FA5}">
+                      <a16:colId xmlns:a16="http://schemas.microsoft.com/office/drawing/2014/main" val="236560246"/>
+                    </a:ext>
+                  </a:extLst>
+                </a:gridCol>
+                <a:gridCol w="2055159">
+                  <a:extLst>
+                    <a:ext uri="{9D8B030D-6E8A-4147-A177-3AD203B41FA5}">
+                      <a16:colId xmlns:a16="http://schemas.microsoft.com/office/drawing/2014/main" val="2813616194"/>
+                    </a:ext>
+                  </a:extLst>
+                </a:gridCol>
+                <a:gridCol w="2055159">
+                  <a:extLst>
+                    <a:ext uri="{9D8B030D-6E8A-4147-A177-3AD203B41FA5}">
+                      <a16:colId xmlns:a16="http://schemas.microsoft.com/office/drawing/2014/main" val="1170532279"/>
+                    </a:ext>
+                  </a:extLst>
+                </a:gridCol>
+              </a:tblGrid>
+              <a:tr h="276606">
+                <a:tc>
+                  <a:txBody>
+                    <a:bodyPr/>
+                    <a:lstStyle/>
+                    <a:p>
+                      <a:r>
+                        <a:rPr lang="fr-FR" sz="900" b="1">
+                          <a:ln>
+                            <a:solidFill>
+                              <a:schemeClr val="bg1"/>
+                            </a:solidFill>
+                          </a:ln>
+                          <a:solidFill>
+                            <a:schemeClr val="bg1"/>
+                          </a:solidFill>
+                        </a:rPr>
+                        <a:t>Poste</a:t>
+                      </a:r>
+                      <a:endParaRPr lang="fr-FR" sz="900">
+                        <a:ln>
+                          <a:solidFill>
+                            <a:schemeClr val="bg1"/>
+                          </a:solidFill>
+                        </a:ln>
+                        <a:solidFill>
+                          <a:schemeClr val="bg1"/>
+                        </a:solidFill>
+                      </a:endParaRPr>
+                    </a:p>
+                  </a:txBody>
+                  <a:tcPr anchor="ctr">
+                    <a:lnL w="12700" cap="flat" cmpd="sng" algn="ctr">
+                      <a:solidFill>
+                        <a:schemeClr val="bg1"/>
+                      </a:solidFill>
+                      <a:prstDash val="solid"/>
+                      <a:round/>
+                      <a:headEnd type="none" w="med" len="med"/>
+                      <a:tailEnd type="none" w="med" len="med"/>
+                    </a:lnL>
+                    <a:lnR w="12700" cap="flat" cmpd="sng" algn="ctr">
+                      <a:solidFill>
+                        <a:schemeClr val="bg1"/>
+                      </a:solidFill>
+                      <a:prstDash val="solid"/>
+                      <a:round/>
+                      <a:headEnd type="none" w="med" len="med"/>
+                      <a:tailEnd type="none" w="med" len="med"/>
+                    </a:lnR>
+                    <a:lnT w="12700" cap="flat" cmpd="sng" algn="ctr">
+                      <a:solidFill>
+                        <a:schemeClr val="bg1"/>
+                      </a:solidFill>
+                      <a:prstDash val="solid"/>
+                      <a:round/>
+                      <a:headEnd type="none" w="med" len="med"/>
+                      <a:tailEnd type="none" w="med" len="med"/>
+                    </a:lnT>
+                    <a:lnB w="12700" cap="flat" cmpd="sng" algn="ctr">
+                      <a:solidFill>
+                        <a:schemeClr val="bg1"/>
+                      </a:solidFill>
+                      <a:prstDash val="solid"/>
+                      <a:round/>
+                      <a:headEnd type="none" w="med" len="med"/>
+                      <a:tailEnd type="none" w="med" len="med"/>
+                    </a:lnB>
+                    <a:noFill/>
+                  </a:tcPr>
+                </a:tc>
+                <a:tc>
+                  <a:txBody>
+                    <a:bodyPr/>
+                    <a:lstStyle/>
+                    <a:p>
+                      <a:r>
+                        <a:rPr lang="fr-FR" sz="900" b="1">
+                          <a:ln>
+                            <a:solidFill>
+                              <a:schemeClr val="bg1"/>
+                            </a:solidFill>
+                          </a:ln>
+                          <a:solidFill>
+                            <a:schemeClr val="bg1"/>
+                          </a:solidFill>
+                        </a:rPr>
+                        <a:t>Description rapide</a:t>
+                      </a:r>
+                      <a:endParaRPr lang="fr-FR" sz="900">
+                        <a:ln>
+                          <a:solidFill>
+                            <a:schemeClr val="bg1"/>
+                          </a:solidFill>
+                        </a:ln>
+                        <a:solidFill>
+                          <a:schemeClr val="bg1"/>
+                        </a:solidFill>
+                      </a:endParaRPr>
+                    </a:p>
+                  </a:txBody>
+                  <a:tcPr anchor="ctr">
+                    <a:lnL w="12700" cap="flat" cmpd="sng" algn="ctr">
+                      <a:solidFill>
+                        <a:schemeClr val="bg1"/>
+                      </a:solidFill>
+                      <a:prstDash val="solid"/>
+                      <a:round/>
+                      <a:headEnd type="none" w="med" len="med"/>
+                      <a:tailEnd type="none" w="med" len="med"/>
+                    </a:lnL>
+                    <a:lnR w="12700" cap="flat" cmpd="sng" algn="ctr">
+                      <a:solidFill>
+                        <a:schemeClr val="bg1"/>
+                      </a:solidFill>
+                      <a:prstDash val="solid"/>
+                      <a:round/>
+                      <a:headEnd type="none" w="med" len="med"/>
+                      <a:tailEnd type="none" w="med" len="med"/>
+                    </a:lnR>
+                    <a:lnT w="12700" cap="flat" cmpd="sng" algn="ctr">
+                      <a:solidFill>
+                        <a:schemeClr val="bg1"/>
+                      </a:solidFill>
+                      <a:prstDash val="solid"/>
+                      <a:round/>
+                      <a:headEnd type="none" w="med" len="med"/>
+                      <a:tailEnd type="none" w="med" len="med"/>
+                    </a:lnT>
+                    <a:lnB w="12700" cap="flat" cmpd="sng" algn="ctr">
+                      <a:solidFill>
+                        <a:schemeClr val="bg1"/>
+                      </a:solidFill>
+                      <a:prstDash val="solid"/>
+                      <a:round/>
+                      <a:headEnd type="none" w="med" len="med"/>
+                      <a:tailEnd type="none" w="med" len="med"/>
+                    </a:lnB>
+                    <a:noFill/>
+                  </a:tcPr>
+                </a:tc>
+                <a:tc>
+                  <a:txBody>
+                    <a:bodyPr/>
+                    <a:lstStyle/>
+                    <a:p>
+                      <a:r>
+                        <a:rPr lang="fr-FR" sz="900" b="1" dirty="0">
+                          <a:ln>
+                            <a:solidFill>
+                              <a:schemeClr val="bg1"/>
+                            </a:solidFill>
+                          </a:ln>
+                          <a:solidFill>
+                            <a:schemeClr val="bg1"/>
+                          </a:solidFill>
+                        </a:rPr>
+                        <a:t>Estimation brute</a:t>
+                      </a:r>
+                      <a:endParaRPr lang="fr-FR" sz="900" dirty="0">
+                        <a:ln>
+                          <a:solidFill>
+                            <a:schemeClr val="bg1"/>
+                          </a:solidFill>
+                        </a:ln>
+                        <a:solidFill>
+                          <a:schemeClr val="bg1"/>
+                        </a:solidFill>
+                      </a:endParaRPr>
+                    </a:p>
+                  </a:txBody>
+                  <a:tcPr anchor="ctr">
+                    <a:lnL w="12700" cap="flat" cmpd="sng" algn="ctr">
+                      <a:solidFill>
+                        <a:schemeClr val="bg1"/>
+                      </a:solidFill>
+                      <a:prstDash val="solid"/>
+                      <a:round/>
+                      <a:headEnd type="none" w="med" len="med"/>
+                      <a:tailEnd type="none" w="med" len="med"/>
+                    </a:lnL>
+                    <a:lnR w="12700" cap="flat" cmpd="sng" algn="ctr">
+                      <a:solidFill>
+                        <a:schemeClr val="bg1"/>
+                      </a:solidFill>
+                      <a:prstDash val="solid"/>
+                      <a:round/>
+                      <a:headEnd type="none" w="med" len="med"/>
+                      <a:tailEnd type="none" w="med" len="med"/>
+                    </a:lnR>
+                    <a:lnT w="12700" cap="flat" cmpd="sng" algn="ctr">
+                      <a:solidFill>
+                        <a:schemeClr val="bg1"/>
+                      </a:solidFill>
+                      <a:prstDash val="solid"/>
+                      <a:round/>
+                      <a:headEnd type="none" w="med" len="med"/>
+                      <a:tailEnd type="none" w="med" len="med"/>
+                    </a:lnT>
+                    <a:lnB w="12700" cap="flat" cmpd="sng" algn="ctr">
+                      <a:solidFill>
+                        <a:schemeClr val="bg1"/>
+                      </a:solidFill>
+                      <a:prstDash val="solid"/>
+                      <a:round/>
+                      <a:headEnd type="none" w="med" len="med"/>
+                      <a:tailEnd type="none" w="med" len="med"/>
+                    </a:lnB>
+                    <a:noFill/>
+                  </a:tcPr>
+                </a:tc>
+                <a:extLst>
+                  <a:ext uri="{0D108BD9-81ED-4DB2-BD59-A6C34878D82A}">
+                    <a16:rowId xmlns:a16="http://schemas.microsoft.com/office/drawing/2014/main" val="1461483230"/>
+                  </a:ext>
+                </a:extLst>
+              </a:tr>
+              <a:tr h="494756">
+                <a:tc>
+                  <a:txBody>
+                    <a:bodyPr/>
+                    <a:lstStyle/>
+                    <a:p>
+                      <a:r>
+                        <a:rPr lang="fr-FR" sz="900" b="1" dirty="0">
+                          <a:ln>
+                            <a:solidFill>
+                              <a:schemeClr val="bg1"/>
+                            </a:solidFill>
+                          </a:ln>
+                          <a:solidFill>
+                            <a:schemeClr val="bg1"/>
+                          </a:solidFill>
+                        </a:rPr>
+                        <a:t>1. Inférence </a:t>
+                      </a:r>
+                      <a:r>
+                        <a:rPr lang="fr-FR" sz="900" b="1" dirty="0" err="1">
+                          <a:ln>
+                            <a:solidFill>
+                              <a:schemeClr val="bg1"/>
+                            </a:solidFill>
+                          </a:ln>
+                          <a:solidFill>
+                            <a:schemeClr val="bg1"/>
+                          </a:solidFill>
+                        </a:rPr>
+                        <a:t>Hugging</a:t>
+                      </a:r>
+                      <a:r>
+                        <a:rPr lang="fr-FR" sz="900" b="1" dirty="0">
+                          <a:ln>
+                            <a:solidFill>
+                              <a:schemeClr val="bg1"/>
+                            </a:solidFill>
+                          </a:ln>
+                          <a:solidFill>
+                            <a:schemeClr val="bg1"/>
+                          </a:solidFill>
+                        </a:rPr>
+                        <a:t> Face API</a:t>
+                      </a:r>
+                      <a:endParaRPr lang="fr-FR" sz="900" dirty="0">
+                        <a:ln>
+                          <a:solidFill>
+                            <a:schemeClr val="bg1"/>
+                          </a:solidFill>
+                        </a:ln>
+                        <a:solidFill>
+                          <a:schemeClr val="bg1"/>
+                        </a:solidFill>
+                      </a:endParaRPr>
+                    </a:p>
+                  </a:txBody>
+                  <a:tcPr anchor="ctr">
+                    <a:lnL w="12700" cap="flat" cmpd="sng" algn="ctr">
+                      <a:solidFill>
+                        <a:schemeClr val="bg1"/>
+                      </a:solidFill>
+                      <a:prstDash val="solid"/>
+                      <a:round/>
+                      <a:headEnd type="none" w="med" len="med"/>
+                      <a:tailEnd type="none" w="med" len="med"/>
+                    </a:lnL>
+                    <a:lnR w="12700" cap="flat" cmpd="sng" algn="ctr">
+                      <a:solidFill>
+                        <a:schemeClr val="bg1"/>
+                      </a:solidFill>
+                      <a:prstDash val="solid"/>
+                      <a:round/>
+                      <a:headEnd type="none" w="med" len="med"/>
+                      <a:tailEnd type="none" w="med" len="med"/>
+                    </a:lnR>
+                    <a:lnT w="12700" cap="flat" cmpd="sng" algn="ctr">
+                      <a:solidFill>
+                        <a:schemeClr val="bg1"/>
+                      </a:solidFill>
+                      <a:prstDash val="solid"/>
+                      <a:round/>
+                      <a:headEnd type="none" w="med" len="med"/>
+                      <a:tailEnd type="none" w="med" len="med"/>
+                    </a:lnT>
+                    <a:lnB w="12700" cap="flat" cmpd="sng" algn="ctr">
+                      <a:solidFill>
+                        <a:schemeClr val="bg1"/>
+                      </a:solidFill>
+                      <a:prstDash val="solid"/>
+                      <a:round/>
+                      <a:headEnd type="none" w="med" len="med"/>
+                      <a:tailEnd type="none" w="med" len="med"/>
+                    </a:lnB>
+                    <a:noFill/>
+                  </a:tcPr>
+                </a:tc>
+                <a:tc>
+                  <a:txBody>
+                    <a:bodyPr/>
+                    <a:lstStyle/>
+                    <a:p>
+                      <a:r>
+                        <a:rPr lang="fr-FR" sz="900" dirty="0">
+                          <a:ln>
+                            <a:solidFill>
+                              <a:schemeClr val="bg1"/>
+                            </a:solidFill>
+                          </a:ln>
+                          <a:solidFill>
+                            <a:schemeClr val="bg1"/>
+                          </a:solidFill>
+                        </a:rPr>
+                        <a:t>0,0007 $ / image (</a:t>
+                      </a:r>
+                      <a:r>
+                        <a:rPr lang="fr-FR" sz="900" dirty="0" err="1">
+                          <a:ln>
+                            <a:solidFill>
+                              <a:schemeClr val="bg1"/>
+                            </a:solidFill>
+                          </a:ln>
+                          <a:solidFill>
+                            <a:schemeClr val="bg1"/>
+                          </a:solidFill>
+                        </a:rPr>
+                        <a:t>Inference</a:t>
+                      </a:r>
+                      <a:r>
+                        <a:rPr lang="fr-FR" sz="900" dirty="0">
+                          <a:ln>
+                            <a:solidFill>
+                              <a:schemeClr val="bg1"/>
+                            </a:solidFill>
+                          </a:ln>
+                          <a:solidFill>
+                            <a:schemeClr val="bg1"/>
+                          </a:solidFill>
+                        </a:rPr>
+                        <a:t> API partagée)</a:t>
+                      </a:r>
+                    </a:p>
+                  </a:txBody>
+                  <a:tcPr anchor="ctr">
+                    <a:lnL w="12700" cap="flat" cmpd="sng" algn="ctr">
+                      <a:solidFill>
+                        <a:schemeClr val="bg1"/>
+                      </a:solidFill>
+                      <a:prstDash val="solid"/>
+                      <a:round/>
+                      <a:headEnd type="none" w="med" len="med"/>
+                      <a:tailEnd type="none" w="med" len="med"/>
+                    </a:lnL>
+                    <a:lnR w="12700" cap="flat" cmpd="sng" algn="ctr">
+                      <a:solidFill>
+                        <a:schemeClr val="bg1"/>
+                      </a:solidFill>
+                      <a:prstDash val="solid"/>
+                      <a:round/>
+                      <a:headEnd type="none" w="med" len="med"/>
+                      <a:tailEnd type="none" w="med" len="med"/>
+                    </a:lnR>
+                    <a:lnT w="12700" cap="flat" cmpd="sng" algn="ctr">
+                      <a:solidFill>
+                        <a:schemeClr val="bg1"/>
+                      </a:solidFill>
+                      <a:prstDash val="solid"/>
+                      <a:round/>
+                      <a:headEnd type="none" w="med" len="med"/>
+                      <a:tailEnd type="none" w="med" len="med"/>
+                    </a:lnT>
+                    <a:lnB w="12700" cap="flat" cmpd="sng" algn="ctr">
+                      <a:solidFill>
+                        <a:schemeClr val="bg1"/>
+                      </a:solidFill>
+                      <a:prstDash val="solid"/>
+                      <a:round/>
+                      <a:headEnd type="none" w="med" len="med"/>
+                      <a:tailEnd type="none" w="med" len="med"/>
+                    </a:lnB>
+                    <a:noFill/>
+                  </a:tcPr>
+                </a:tc>
+                <a:tc>
+                  <a:txBody>
+                    <a:bodyPr/>
+                    <a:lstStyle/>
+                    <a:p>
+                      <a:r>
+                        <a:rPr lang="fr-FR" sz="900" b="1">
+                          <a:ln>
+                            <a:solidFill>
+                              <a:schemeClr val="bg1"/>
+                            </a:solidFill>
+                          </a:ln>
+                          <a:solidFill>
+                            <a:schemeClr val="bg1"/>
+                          </a:solidFill>
+                        </a:rPr>
+                        <a:t>~350 $</a:t>
+                      </a:r>
+                      <a:r>
+                        <a:rPr lang="fr-FR" sz="900">
+                          <a:ln>
+                            <a:solidFill>
+                              <a:schemeClr val="bg1"/>
+                            </a:solidFill>
+                          </a:ln>
+                          <a:solidFill>
+                            <a:schemeClr val="bg1"/>
+                          </a:solidFill>
+                        </a:rPr>
+                        <a:t> (si API HuggingFace) </a:t>
+                      </a:r>
+                      <a:r>
+                        <a:rPr lang="fr-FR" sz="900" b="1">
+                          <a:ln>
+                            <a:solidFill>
+                              <a:schemeClr val="bg1"/>
+                            </a:solidFill>
+                          </a:ln>
+                          <a:solidFill>
+                            <a:schemeClr val="bg1"/>
+                          </a:solidFill>
+                        </a:rPr>
+                        <a:t>ou ~15 $</a:t>
+                      </a:r>
+                      <a:r>
+                        <a:rPr lang="fr-FR" sz="900">
+                          <a:ln>
+                            <a:solidFill>
+                              <a:schemeClr val="bg1"/>
+                            </a:solidFill>
+                          </a:ln>
+                          <a:solidFill>
+                            <a:schemeClr val="bg1"/>
+                          </a:solidFill>
+                        </a:rPr>
+                        <a:t> (en local via GPU EC2)</a:t>
+                      </a:r>
+                    </a:p>
+                  </a:txBody>
+                  <a:tcPr anchor="ctr">
+                    <a:lnL w="12700" cap="flat" cmpd="sng" algn="ctr">
+                      <a:solidFill>
+                        <a:schemeClr val="bg1"/>
+                      </a:solidFill>
+                      <a:prstDash val="solid"/>
+                      <a:round/>
+                      <a:headEnd type="none" w="med" len="med"/>
+                      <a:tailEnd type="none" w="med" len="med"/>
+                    </a:lnL>
+                    <a:lnR w="12700" cap="flat" cmpd="sng" algn="ctr">
+                      <a:solidFill>
+                        <a:schemeClr val="bg1"/>
+                      </a:solidFill>
+                      <a:prstDash val="solid"/>
+                      <a:round/>
+                      <a:headEnd type="none" w="med" len="med"/>
+                      <a:tailEnd type="none" w="med" len="med"/>
+                    </a:lnR>
+                    <a:lnT w="12700" cap="flat" cmpd="sng" algn="ctr">
+                      <a:solidFill>
+                        <a:schemeClr val="bg1"/>
+                      </a:solidFill>
+                      <a:prstDash val="solid"/>
+                      <a:round/>
+                      <a:headEnd type="none" w="med" len="med"/>
+                      <a:tailEnd type="none" w="med" len="med"/>
+                    </a:lnT>
+                    <a:lnB w="12700" cap="flat" cmpd="sng" algn="ctr">
+                      <a:solidFill>
+                        <a:schemeClr val="bg1"/>
+                      </a:solidFill>
+                      <a:prstDash val="solid"/>
+                      <a:round/>
+                      <a:headEnd type="none" w="med" len="med"/>
+                      <a:tailEnd type="none" w="med" len="med"/>
+                    </a:lnB>
+                    <a:noFill/>
+                  </a:tcPr>
+                </a:tc>
+                <a:extLst>
+                  <a:ext uri="{0D108BD9-81ED-4DB2-BD59-A6C34878D82A}">
+                    <a16:rowId xmlns:a16="http://schemas.microsoft.com/office/drawing/2014/main" val="946619245"/>
+                  </a:ext>
+                </a:extLst>
+              </a:tr>
+              <a:tr h="359823">
+                <a:tc>
+                  <a:txBody>
+                    <a:bodyPr/>
+                    <a:lstStyle/>
+                    <a:p>
+                      <a:r>
+                        <a:rPr lang="en-US" sz="900" b="1">
+                          <a:ln>
+                            <a:solidFill>
+                              <a:schemeClr val="bg1"/>
+                            </a:solidFill>
+                          </a:ln>
+                          <a:solidFill>
+                            <a:schemeClr val="bg1"/>
+                          </a:solidFill>
+                        </a:rPr>
+                        <a:t>2. Stockage Cloud (AWS S3)</a:t>
+                      </a:r>
+                      <a:endParaRPr lang="en-US" sz="900">
+                        <a:ln>
+                          <a:solidFill>
+                            <a:schemeClr val="bg1"/>
+                          </a:solidFill>
+                        </a:ln>
+                        <a:solidFill>
+                          <a:schemeClr val="bg1"/>
+                        </a:solidFill>
+                      </a:endParaRPr>
+                    </a:p>
+                  </a:txBody>
+                  <a:tcPr anchor="ctr">
+                    <a:lnL w="12700" cap="flat" cmpd="sng" algn="ctr">
+                      <a:solidFill>
+                        <a:schemeClr val="bg1"/>
+                      </a:solidFill>
+                      <a:prstDash val="solid"/>
+                      <a:round/>
+                      <a:headEnd type="none" w="med" len="med"/>
+                      <a:tailEnd type="none" w="med" len="med"/>
+                    </a:lnL>
+                    <a:lnR w="12700" cap="flat" cmpd="sng" algn="ctr">
+                      <a:solidFill>
+                        <a:schemeClr val="bg1"/>
+                      </a:solidFill>
+                      <a:prstDash val="solid"/>
+                      <a:round/>
+                      <a:headEnd type="none" w="med" len="med"/>
+                      <a:tailEnd type="none" w="med" len="med"/>
+                    </a:lnR>
+                    <a:lnT w="12700" cap="flat" cmpd="sng" algn="ctr">
+                      <a:solidFill>
+                        <a:schemeClr val="bg1"/>
+                      </a:solidFill>
+                      <a:prstDash val="solid"/>
+                      <a:round/>
+                      <a:headEnd type="none" w="med" len="med"/>
+                      <a:tailEnd type="none" w="med" len="med"/>
+                    </a:lnT>
+                    <a:lnB w="12700" cap="flat" cmpd="sng" algn="ctr">
+                      <a:solidFill>
+                        <a:schemeClr val="bg1"/>
+                      </a:solidFill>
+                      <a:prstDash val="solid"/>
+                      <a:round/>
+                      <a:headEnd type="none" w="med" len="med"/>
+                      <a:tailEnd type="none" w="med" len="med"/>
+                    </a:lnB>
+                    <a:noFill/>
+                  </a:tcPr>
+                </a:tc>
+                <a:tc>
+                  <a:txBody>
+                    <a:bodyPr/>
+                    <a:lstStyle/>
+                    <a:p>
+                      <a:r>
+                        <a:rPr lang="fr-FR" sz="900" dirty="0">
+                          <a:ln>
+                            <a:solidFill>
+                              <a:schemeClr val="bg1"/>
+                            </a:solidFill>
+                          </a:ln>
+                          <a:solidFill>
+                            <a:schemeClr val="bg1"/>
+                          </a:solidFill>
+                        </a:rPr>
+                        <a:t>500 Go (images + masques)</a:t>
+                      </a:r>
+                    </a:p>
+                  </a:txBody>
+                  <a:tcPr anchor="ctr">
+                    <a:lnL w="12700" cap="flat" cmpd="sng" algn="ctr">
+                      <a:solidFill>
+                        <a:schemeClr val="bg1"/>
+                      </a:solidFill>
+                      <a:prstDash val="solid"/>
+                      <a:round/>
+                      <a:headEnd type="none" w="med" len="med"/>
+                      <a:tailEnd type="none" w="med" len="med"/>
+                    </a:lnL>
+                    <a:lnR w="12700" cap="flat" cmpd="sng" algn="ctr">
+                      <a:solidFill>
+                        <a:schemeClr val="bg1"/>
+                      </a:solidFill>
+                      <a:prstDash val="solid"/>
+                      <a:round/>
+                      <a:headEnd type="none" w="med" len="med"/>
+                      <a:tailEnd type="none" w="med" len="med"/>
+                    </a:lnR>
+                    <a:lnT w="12700" cap="flat" cmpd="sng" algn="ctr">
+                      <a:solidFill>
+                        <a:schemeClr val="bg1"/>
+                      </a:solidFill>
+                      <a:prstDash val="solid"/>
+                      <a:round/>
+                      <a:headEnd type="none" w="med" len="med"/>
+                      <a:tailEnd type="none" w="med" len="med"/>
+                    </a:lnT>
+                    <a:lnB w="12700" cap="flat" cmpd="sng" algn="ctr">
+                      <a:solidFill>
+                        <a:schemeClr val="bg1"/>
+                      </a:solidFill>
+                      <a:prstDash val="solid"/>
+                      <a:round/>
+                      <a:headEnd type="none" w="med" len="med"/>
+                      <a:tailEnd type="none" w="med" len="med"/>
+                    </a:lnB>
+                    <a:noFill/>
+                  </a:tcPr>
+                </a:tc>
+                <a:tc>
+                  <a:txBody>
+                    <a:bodyPr/>
+                    <a:lstStyle/>
+                    <a:p>
+                      <a:r>
+                        <a:rPr lang="fr-FR" sz="900" b="1">
+                          <a:ln>
+                            <a:solidFill>
+                              <a:schemeClr val="bg1"/>
+                            </a:solidFill>
+                          </a:ln>
+                          <a:solidFill>
+                            <a:schemeClr val="bg1"/>
+                          </a:solidFill>
+                        </a:rPr>
+                        <a:t>~11,5 $ / mois</a:t>
+                      </a:r>
+                      <a:endParaRPr lang="fr-FR" sz="900">
+                        <a:ln>
+                          <a:solidFill>
+                            <a:schemeClr val="bg1"/>
+                          </a:solidFill>
+                        </a:ln>
+                        <a:solidFill>
+                          <a:schemeClr val="bg1"/>
+                        </a:solidFill>
+                      </a:endParaRPr>
+                    </a:p>
+                  </a:txBody>
+                  <a:tcPr anchor="ctr">
+                    <a:lnL w="12700" cap="flat" cmpd="sng" algn="ctr">
+                      <a:solidFill>
+                        <a:schemeClr val="bg1"/>
+                      </a:solidFill>
+                      <a:prstDash val="solid"/>
+                      <a:round/>
+                      <a:headEnd type="none" w="med" len="med"/>
+                      <a:tailEnd type="none" w="med" len="med"/>
+                    </a:lnL>
+                    <a:lnR w="12700" cap="flat" cmpd="sng" algn="ctr">
+                      <a:solidFill>
+                        <a:schemeClr val="bg1"/>
+                      </a:solidFill>
+                      <a:prstDash val="solid"/>
+                      <a:round/>
+                      <a:headEnd type="none" w="med" len="med"/>
+                      <a:tailEnd type="none" w="med" len="med"/>
+                    </a:lnR>
+                    <a:lnT w="12700" cap="flat" cmpd="sng" algn="ctr">
+                      <a:solidFill>
+                        <a:schemeClr val="bg1"/>
+                      </a:solidFill>
+                      <a:prstDash val="solid"/>
+                      <a:round/>
+                      <a:headEnd type="none" w="med" len="med"/>
+                      <a:tailEnd type="none" w="med" len="med"/>
+                    </a:lnT>
+                    <a:lnB w="12700" cap="flat" cmpd="sng" algn="ctr">
+                      <a:solidFill>
+                        <a:schemeClr val="bg1"/>
+                      </a:solidFill>
+                      <a:prstDash val="solid"/>
+                      <a:round/>
+                      <a:headEnd type="none" w="med" len="med"/>
+                      <a:tailEnd type="none" w="med" len="med"/>
+                    </a:lnB>
+                    <a:noFill/>
+                  </a:tcPr>
+                </a:tc>
+                <a:extLst>
+                  <a:ext uri="{0D108BD9-81ED-4DB2-BD59-A6C34878D82A}">
+                    <a16:rowId xmlns:a16="http://schemas.microsoft.com/office/drawing/2014/main" val="380749327"/>
+                  </a:ext>
+                </a:extLst>
+              </a:tr>
+              <a:tr h="494756">
+                <a:tc>
+                  <a:txBody>
+                    <a:bodyPr/>
+                    <a:lstStyle/>
+                    <a:p>
+                      <a:r>
+                        <a:rPr lang="fr-FR" sz="900" b="1">
+                          <a:ln>
+                            <a:solidFill>
+                              <a:schemeClr val="bg1"/>
+                            </a:solidFill>
+                          </a:ln>
+                          <a:solidFill>
+                            <a:schemeClr val="bg1"/>
+                          </a:solidFill>
+                        </a:rPr>
+                        <a:t>3. Batching / Conteneurisation (ECS ou EC2 GPU)</a:t>
+                      </a:r>
+                      <a:endParaRPr lang="fr-FR" sz="900">
+                        <a:ln>
+                          <a:solidFill>
+                            <a:schemeClr val="bg1"/>
+                          </a:solidFill>
+                        </a:ln>
+                        <a:solidFill>
+                          <a:schemeClr val="bg1"/>
+                        </a:solidFill>
+                      </a:endParaRPr>
+                    </a:p>
+                  </a:txBody>
+                  <a:tcPr anchor="ctr">
+                    <a:lnL w="12700" cap="flat" cmpd="sng" algn="ctr">
+                      <a:solidFill>
+                        <a:schemeClr val="bg1"/>
+                      </a:solidFill>
+                      <a:prstDash val="solid"/>
+                      <a:round/>
+                      <a:headEnd type="none" w="med" len="med"/>
+                      <a:tailEnd type="none" w="med" len="med"/>
+                    </a:lnL>
+                    <a:lnR w="12700" cap="flat" cmpd="sng" algn="ctr">
+                      <a:solidFill>
+                        <a:schemeClr val="bg1"/>
+                      </a:solidFill>
+                      <a:prstDash val="solid"/>
+                      <a:round/>
+                      <a:headEnd type="none" w="med" len="med"/>
+                      <a:tailEnd type="none" w="med" len="med"/>
+                    </a:lnR>
+                    <a:lnT w="12700" cap="flat" cmpd="sng" algn="ctr">
+                      <a:solidFill>
+                        <a:schemeClr val="bg1"/>
+                      </a:solidFill>
+                      <a:prstDash val="solid"/>
+                      <a:round/>
+                      <a:headEnd type="none" w="med" len="med"/>
+                      <a:tailEnd type="none" w="med" len="med"/>
+                    </a:lnT>
+                    <a:lnB w="12700" cap="flat" cmpd="sng" algn="ctr">
+                      <a:solidFill>
+                        <a:schemeClr val="bg1"/>
+                      </a:solidFill>
+                      <a:prstDash val="solid"/>
+                      <a:round/>
+                      <a:headEnd type="none" w="med" len="med"/>
+                      <a:tailEnd type="none" w="med" len="med"/>
+                    </a:lnB>
+                    <a:noFill/>
+                  </a:tcPr>
+                </a:tc>
+                <a:tc>
+                  <a:txBody>
+                    <a:bodyPr/>
+                    <a:lstStyle/>
+                    <a:p>
+                      <a:r>
+                        <a:rPr lang="fr-FR" sz="900" dirty="0">
+                          <a:ln>
+                            <a:solidFill>
+                              <a:schemeClr val="bg1"/>
+                            </a:solidFill>
+                          </a:ln>
+                          <a:solidFill>
+                            <a:schemeClr val="bg1"/>
+                          </a:solidFill>
+                        </a:rPr>
+                        <a:t>Traitement via container GPU (~20h)</a:t>
+                      </a:r>
+                    </a:p>
+                  </a:txBody>
+                  <a:tcPr anchor="ctr">
+                    <a:lnL w="12700" cap="flat" cmpd="sng" algn="ctr">
+                      <a:solidFill>
+                        <a:schemeClr val="bg1"/>
+                      </a:solidFill>
+                      <a:prstDash val="solid"/>
+                      <a:round/>
+                      <a:headEnd type="none" w="med" len="med"/>
+                      <a:tailEnd type="none" w="med" len="med"/>
+                    </a:lnL>
+                    <a:lnR w="12700" cap="flat" cmpd="sng" algn="ctr">
+                      <a:solidFill>
+                        <a:schemeClr val="bg1"/>
+                      </a:solidFill>
+                      <a:prstDash val="solid"/>
+                      <a:round/>
+                      <a:headEnd type="none" w="med" len="med"/>
+                      <a:tailEnd type="none" w="med" len="med"/>
+                    </a:lnR>
+                    <a:lnT w="12700" cap="flat" cmpd="sng" algn="ctr">
+                      <a:solidFill>
+                        <a:schemeClr val="bg1"/>
+                      </a:solidFill>
+                      <a:prstDash val="solid"/>
+                      <a:round/>
+                      <a:headEnd type="none" w="med" len="med"/>
+                      <a:tailEnd type="none" w="med" len="med"/>
+                    </a:lnT>
+                    <a:lnB w="12700" cap="flat" cmpd="sng" algn="ctr">
+                      <a:solidFill>
+                        <a:schemeClr val="bg1"/>
+                      </a:solidFill>
+                      <a:prstDash val="solid"/>
+                      <a:round/>
+                      <a:headEnd type="none" w="med" len="med"/>
+                      <a:tailEnd type="none" w="med" len="med"/>
+                    </a:lnB>
+                    <a:noFill/>
+                  </a:tcPr>
+                </a:tc>
+                <a:tc>
+                  <a:txBody>
+                    <a:bodyPr/>
+                    <a:lstStyle/>
+                    <a:p>
+                      <a:r>
+                        <a:rPr lang="fr-FR" sz="900" b="1" dirty="0">
+                          <a:ln>
+                            <a:solidFill>
+                              <a:schemeClr val="bg1"/>
+                            </a:solidFill>
+                          </a:ln>
+                          <a:solidFill>
+                            <a:schemeClr val="bg1"/>
+                          </a:solidFill>
+                        </a:rPr>
+                        <a:t>~10 à 50 $</a:t>
+                      </a:r>
+                      <a:endParaRPr lang="fr-FR" sz="900" dirty="0">
+                        <a:ln>
+                          <a:solidFill>
+                            <a:schemeClr val="bg1"/>
+                          </a:solidFill>
+                        </a:ln>
+                        <a:solidFill>
+                          <a:schemeClr val="bg1"/>
+                        </a:solidFill>
+                      </a:endParaRPr>
+                    </a:p>
+                  </a:txBody>
+                  <a:tcPr anchor="ctr">
+                    <a:lnL w="12700" cap="flat" cmpd="sng" algn="ctr">
+                      <a:solidFill>
+                        <a:schemeClr val="bg1"/>
+                      </a:solidFill>
+                      <a:prstDash val="solid"/>
+                      <a:round/>
+                      <a:headEnd type="none" w="med" len="med"/>
+                      <a:tailEnd type="none" w="med" len="med"/>
+                    </a:lnL>
+                    <a:lnR w="12700" cap="flat" cmpd="sng" algn="ctr">
+                      <a:solidFill>
+                        <a:schemeClr val="bg1"/>
+                      </a:solidFill>
+                      <a:prstDash val="solid"/>
+                      <a:round/>
+                      <a:headEnd type="none" w="med" len="med"/>
+                      <a:tailEnd type="none" w="med" len="med"/>
+                    </a:lnR>
+                    <a:lnT w="12700" cap="flat" cmpd="sng" algn="ctr">
+                      <a:solidFill>
+                        <a:schemeClr val="bg1"/>
+                      </a:solidFill>
+                      <a:prstDash val="solid"/>
+                      <a:round/>
+                      <a:headEnd type="none" w="med" len="med"/>
+                      <a:tailEnd type="none" w="med" len="med"/>
+                    </a:lnT>
+                    <a:lnB w="12700" cap="flat" cmpd="sng" algn="ctr">
+                      <a:solidFill>
+                        <a:schemeClr val="bg1"/>
+                      </a:solidFill>
+                      <a:prstDash val="solid"/>
+                      <a:round/>
+                      <a:headEnd type="none" w="med" len="med"/>
+                      <a:tailEnd type="none" w="med" len="med"/>
+                    </a:lnB>
+                    <a:noFill/>
+                  </a:tcPr>
+                </a:tc>
+                <a:extLst>
+                  <a:ext uri="{0D108BD9-81ED-4DB2-BD59-A6C34878D82A}">
+                    <a16:rowId xmlns:a16="http://schemas.microsoft.com/office/drawing/2014/main" val="4259890754"/>
+                  </a:ext>
+                </a:extLst>
+              </a:tr>
+              <a:tr h="494756">
+                <a:tc>
+                  <a:txBody>
+                    <a:bodyPr/>
+                    <a:lstStyle/>
+                    <a:p>
+                      <a:r>
+                        <a:rPr lang="fr-FR" sz="900" b="1" dirty="0">
+                          <a:ln>
+                            <a:solidFill>
+                              <a:schemeClr val="bg1"/>
+                            </a:solidFill>
+                          </a:ln>
+                          <a:solidFill>
+                            <a:schemeClr val="bg1"/>
+                          </a:solidFill>
+                        </a:rPr>
+                        <a:t>4. Transfert orchestration (SQS)</a:t>
+                      </a:r>
+                      <a:endParaRPr lang="fr-FR" sz="900" dirty="0">
+                        <a:ln>
+                          <a:solidFill>
+                            <a:schemeClr val="bg1"/>
+                          </a:solidFill>
+                        </a:ln>
+                        <a:solidFill>
+                          <a:schemeClr val="bg1"/>
+                        </a:solidFill>
+                      </a:endParaRPr>
+                    </a:p>
+                  </a:txBody>
+                  <a:tcPr anchor="ctr">
+                    <a:lnL w="12700" cap="flat" cmpd="sng" algn="ctr">
+                      <a:solidFill>
+                        <a:schemeClr val="bg1"/>
+                      </a:solidFill>
+                      <a:prstDash val="solid"/>
+                      <a:round/>
+                      <a:headEnd type="none" w="med" len="med"/>
+                      <a:tailEnd type="none" w="med" len="med"/>
+                    </a:lnL>
+                    <a:lnR w="12700" cap="flat" cmpd="sng" algn="ctr">
+                      <a:solidFill>
+                        <a:schemeClr val="bg1"/>
+                      </a:solidFill>
+                      <a:prstDash val="solid"/>
+                      <a:round/>
+                      <a:headEnd type="none" w="med" len="med"/>
+                      <a:tailEnd type="none" w="med" len="med"/>
+                    </a:lnR>
+                    <a:lnT w="12700" cap="flat" cmpd="sng" algn="ctr">
+                      <a:solidFill>
+                        <a:schemeClr val="bg1"/>
+                      </a:solidFill>
+                      <a:prstDash val="solid"/>
+                      <a:round/>
+                      <a:headEnd type="none" w="med" len="med"/>
+                      <a:tailEnd type="none" w="med" len="med"/>
+                    </a:lnT>
+                    <a:lnB w="12700" cap="flat" cmpd="sng" algn="ctr">
+                      <a:solidFill>
+                        <a:schemeClr val="bg1"/>
+                      </a:solidFill>
+                      <a:prstDash val="solid"/>
+                      <a:round/>
+                      <a:headEnd type="none" w="med" len="med"/>
+                      <a:tailEnd type="none" w="med" len="med"/>
+                    </a:lnB>
+                    <a:noFill/>
+                  </a:tcPr>
+                </a:tc>
+                <a:tc>
+                  <a:txBody>
+                    <a:bodyPr/>
+                    <a:lstStyle/>
+                    <a:p>
+                      <a:r>
+                        <a:rPr lang="fr-FR" sz="900">
+                          <a:ln>
+                            <a:solidFill>
+                              <a:schemeClr val="bg1"/>
+                            </a:solidFill>
+                          </a:ln>
+                          <a:solidFill>
+                            <a:schemeClr val="bg1"/>
+                          </a:solidFill>
+                        </a:rPr>
+                        <a:t>1 million opérations (500k messages envoyés + reçus)</a:t>
+                      </a:r>
+                    </a:p>
+                  </a:txBody>
+                  <a:tcPr anchor="ctr">
+                    <a:lnL w="12700" cap="flat" cmpd="sng" algn="ctr">
+                      <a:solidFill>
+                        <a:schemeClr val="bg1"/>
+                      </a:solidFill>
+                      <a:prstDash val="solid"/>
+                      <a:round/>
+                      <a:headEnd type="none" w="med" len="med"/>
+                      <a:tailEnd type="none" w="med" len="med"/>
+                    </a:lnL>
+                    <a:lnR w="12700" cap="flat" cmpd="sng" algn="ctr">
+                      <a:solidFill>
+                        <a:schemeClr val="bg1"/>
+                      </a:solidFill>
+                      <a:prstDash val="solid"/>
+                      <a:round/>
+                      <a:headEnd type="none" w="med" len="med"/>
+                      <a:tailEnd type="none" w="med" len="med"/>
+                    </a:lnR>
+                    <a:lnT w="12700" cap="flat" cmpd="sng" algn="ctr">
+                      <a:solidFill>
+                        <a:schemeClr val="bg1"/>
+                      </a:solidFill>
+                      <a:prstDash val="solid"/>
+                      <a:round/>
+                      <a:headEnd type="none" w="med" len="med"/>
+                      <a:tailEnd type="none" w="med" len="med"/>
+                    </a:lnT>
+                    <a:lnB w="12700" cap="flat" cmpd="sng" algn="ctr">
+                      <a:solidFill>
+                        <a:schemeClr val="bg1"/>
+                      </a:solidFill>
+                      <a:prstDash val="solid"/>
+                      <a:round/>
+                      <a:headEnd type="none" w="med" len="med"/>
+                      <a:tailEnd type="none" w="med" len="med"/>
+                    </a:lnB>
+                    <a:noFill/>
+                  </a:tcPr>
+                </a:tc>
+                <a:tc>
+                  <a:txBody>
+                    <a:bodyPr/>
+                    <a:lstStyle/>
+                    <a:p>
+                      <a:r>
+                        <a:rPr lang="fr-FR" sz="900" b="1" dirty="0">
+                          <a:ln>
+                            <a:solidFill>
+                              <a:schemeClr val="bg1"/>
+                            </a:solidFill>
+                          </a:ln>
+                          <a:solidFill>
+                            <a:schemeClr val="bg1"/>
+                          </a:solidFill>
+                        </a:rPr>
+                        <a:t>~0,40 $</a:t>
+                      </a:r>
+                      <a:endParaRPr lang="fr-FR" sz="900" dirty="0">
+                        <a:ln>
+                          <a:solidFill>
+                            <a:schemeClr val="bg1"/>
+                          </a:solidFill>
+                        </a:ln>
+                        <a:solidFill>
+                          <a:schemeClr val="bg1"/>
+                        </a:solidFill>
+                      </a:endParaRPr>
+                    </a:p>
+                  </a:txBody>
+                  <a:tcPr anchor="ctr">
+                    <a:lnL w="12700" cap="flat" cmpd="sng" algn="ctr">
+                      <a:solidFill>
+                        <a:schemeClr val="bg1"/>
+                      </a:solidFill>
+                      <a:prstDash val="solid"/>
+                      <a:round/>
+                      <a:headEnd type="none" w="med" len="med"/>
+                      <a:tailEnd type="none" w="med" len="med"/>
+                    </a:lnL>
+                    <a:lnR w="12700" cap="flat" cmpd="sng" algn="ctr">
+                      <a:solidFill>
+                        <a:schemeClr val="bg1"/>
+                      </a:solidFill>
+                      <a:prstDash val="solid"/>
+                      <a:round/>
+                      <a:headEnd type="none" w="med" len="med"/>
+                      <a:tailEnd type="none" w="med" len="med"/>
+                    </a:lnR>
+                    <a:lnT w="12700" cap="flat" cmpd="sng" algn="ctr">
+                      <a:solidFill>
+                        <a:schemeClr val="bg1"/>
+                      </a:solidFill>
+                      <a:prstDash val="solid"/>
+                      <a:round/>
+                      <a:headEnd type="none" w="med" len="med"/>
+                      <a:tailEnd type="none" w="med" len="med"/>
+                    </a:lnT>
+                    <a:lnB w="12700" cap="flat" cmpd="sng" algn="ctr">
+                      <a:solidFill>
+                        <a:schemeClr val="bg1"/>
+                      </a:solidFill>
+                      <a:prstDash val="solid"/>
+                      <a:round/>
+                      <a:headEnd type="none" w="med" len="med"/>
+                      <a:tailEnd type="none" w="med" len="med"/>
+                    </a:lnB>
+                    <a:noFill/>
+                  </a:tcPr>
+                </a:tc>
+                <a:extLst>
+                  <a:ext uri="{0D108BD9-81ED-4DB2-BD59-A6C34878D82A}">
+                    <a16:rowId xmlns:a16="http://schemas.microsoft.com/office/drawing/2014/main" val="333950901"/>
+                  </a:ext>
+                </a:extLst>
+              </a:tr>
+              <a:tr h="494756">
+                <a:tc>
+                  <a:txBody>
+                    <a:bodyPr/>
+                    <a:lstStyle/>
+                    <a:p>
+                      <a:r>
+                        <a:rPr lang="fr-FR" sz="900" b="1" dirty="0">
+                          <a:ln>
+                            <a:solidFill>
+                              <a:schemeClr val="bg1"/>
+                            </a:solidFill>
+                          </a:ln>
+                          <a:solidFill>
+                            <a:schemeClr val="bg1"/>
+                          </a:solidFill>
+                        </a:rPr>
+                        <a:t>5. Monitoring (</a:t>
+                      </a:r>
+                      <a:r>
+                        <a:rPr lang="fr-FR" sz="900" b="1" dirty="0" err="1">
+                          <a:ln>
+                            <a:solidFill>
+                              <a:schemeClr val="bg1"/>
+                            </a:solidFill>
+                          </a:ln>
+                          <a:solidFill>
+                            <a:schemeClr val="bg1"/>
+                          </a:solidFill>
+                        </a:rPr>
+                        <a:t>Kibana</a:t>
+                      </a:r>
+                      <a:r>
+                        <a:rPr lang="fr-FR" sz="900" b="1" dirty="0">
+                          <a:ln>
+                            <a:solidFill>
+                              <a:schemeClr val="bg1"/>
+                            </a:solidFill>
+                          </a:ln>
+                          <a:solidFill>
+                            <a:schemeClr val="bg1"/>
+                          </a:solidFill>
+                        </a:rPr>
+                        <a:t> / </a:t>
+                      </a:r>
+                      <a:r>
+                        <a:rPr lang="fr-FR" sz="900" b="1" dirty="0" err="1">
+                          <a:ln>
+                            <a:solidFill>
+                              <a:schemeClr val="bg1"/>
+                            </a:solidFill>
+                          </a:ln>
+                          <a:solidFill>
+                            <a:schemeClr val="bg1"/>
+                          </a:solidFill>
+                        </a:rPr>
+                        <a:t>OpenSearch</a:t>
+                      </a:r>
+                      <a:r>
+                        <a:rPr lang="fr-FR" sz="900" b="1" dirty="0">
+                          <a:ln>
+                            <a:solidFill>
+                              <a:schemeClr val="bg1"/>
+                            </a:solidFill>
+                          </a:ln>
+                          <a:solidFill>
+                            <a:schemeClr val="bg1"/>
+                          </a:solidFill>
+                        </a:rPr>
+                        <a:t>)</a:t>
+                      </a:r>
+                      <a:endParaRPr lang="fr-FR" sz="900" dirty="0">
+                        <a:ln>
+                          <a:solidFill>
+                            <a:schemeClr val="bg1"/>
+                          </a:solidFill>
+                        </a:ln>
+                        <a:solidFill>
+                          <a:schemeClr val="bg1"/>
+                        </a:solidFill>
+                      </a:endParaRPr>
+                    </a:p>
+                  </a:txBody>
+                  <a:tcPr anchor="ctr">
+                    <a:lnL w="12700" cap="flat" cmpd="sng" algn="ctr">
+                      <a:solidFill>
+                        <a:schemeClr val="bg1"/>
+                      </a:solidFill>
+                      <a:prstDash val="solid"/>
+                      <a:round/>
+                      <a:headEnd type="none" w="med" len="med"/>
+                      <a:tailEnd type="none" w="med" len="med"/>
+                    </a:lnL>
+                    <a:lnR w="12700" cap="flat" cmpd="sng" algn="ctr">
+                      <a:solidFill>
+                        <a:schemeClr val="bg1"/>
+                      </a:solidFill>
+                      <a:prstDash val="solid"/>
+                      <a:round/>
+                      <a:headEnd type="none" w="med" len="med"/>
+                      <a:tailEnd type="none" w="med" len="med"/>
+                    </a:lnR>
+                    <a:lnT w="12700" cap="flat" cmpd="sng" algn="ctr">
+                      <a:solidFill>
+                        <a:schemeClr val="bg1"/>
+                      </a:solidFill>
+                      <a:prstDash val="solid"/>
+                      <a:round/>
+                      <a:headEnd type="none" w="med" len="med"/>
+                      <a:tailEnd type="none" w="med" len="med"/>
+                    </a:lnT>
+                    <a:lnB w="12700" cap="flat" cmpd="sng" algn="ctr">
+                      <a:solidFill>
+                        <a:schemeClr val="bg1"/>
+                      </a:solidFill>
+                      <a:prstDash val="solid"/>
+                      <a:round/>
+                      <a:headEnd type="none" w="med" len="med"/>
+                      <a:tailEnd type="none" w="med" len="med"/>
+                    </a:lnB>
+                    <a:noFill/>
+                  </a:tcPr>
+                </a:tc>
+                <a:tc>
+                  <a:txBody>
+                    <a:bodyPr/>
+                    <a:lstStyle/>
+                    <a:p>
+                      <a:r>
+                        <a:rPr lang="en-US" sz="900">
+                          <a:ln>
+                            <a:solidFill>
+                              <a:schemeClr val="bg1"/>
+                            </a:solidFill>
+                          </a:ln>
+                          <a:solidFill>
+                            <a:schemeClr val="bg1"/>
+                          </a:solidFill>
+                        </a:rPr>
+                        <a:t>Logs et dashboards (CloudWatch ou OpenSearch)</a:t>
+                      </a:r>
+                    </a:p>
+                  </a:txBody>
+                  <a:tcPr anchor="ctr">
+                    <a:lnL w="12700" cap="flat" cmpd="sng" algn="ctr">
+                      <a:solidFill>
+                        <a:schemeClr val="bg1"/>
+                      </a:solidFill>
+                      <a:prstDash val="solid"/>
+                      <a:round/>
+                      <a:headEnd type="none" w="med" len="med"/>
+                      <a:tailEnd type="none" w="med" len="med"/>
+                    </a:lnL>
+                    <a:lnR w="12700" cap="flat" cmpd="sng" algn="ctr">
+                      <a:solidFill>
+                        <a:schemeClr val="bg1"/>
+                      </a:solidFill>
+                      <a:prstDash val="solid"/>
+                      <a:round/>
+                      <a:headEnd type="none" w="med" len="med"/>
+                      <a:tailEnd type="none" w="med" len="med"/>
+                    </a:lnR>
+                    <a:lnT w="12700" cap="flat" cmpd="sng" algn="ctr">
+                      <a:solidFill>
+                        <a:schemeClr val="bg1"/>
+                      </a:solidFill>
+                      <a:prstDash val="solid"/>
+                      <a:round/>
+                      <a:headEnd type="none" w="med" len="med"/>
+                      <a:tailEnd type="none" w="med" len="med"/>
+                    </a:lnT>
+                    <a:lnB w="12700" cap="flat" cmpd="sng" algn="ctr">
+                      <a:solidFill>
+                        <a:schemeClr val="bg1"/>
+                      </a:solidFill>
+                      <a:prstDash val="solid"/>
+                      <a:round/>
+                      <a:headEnd type="none" w="med" len="med"/>
+                      <a:tailEnd type="none" w="med" len="med"/>
+                    </a:lnB>
+                    <a:noFill/>
+                  </a:tcPr>
+                </a:tc>
+                <a:tc>
+                  <a:txBody>
+                    <a:bodyPr/>
+                    <a:lstStyle/>
+                    <a:p>
+                      <a:r>
+                        <a:rPr lang="fr-FR" sz="900" b="1" dirty="0">
+                          <a:ln>
+                            <a:solidFill>
+                              <a:schemeClr val="bg1"/>
+                            </a:solidFill>
+                          </a:ln>
+                          <a:solidFill>
+                            <a:schemeClr val="bg1"/>
+                          </a:solidFill>
+                        </a:rPr>
+                        <a:t>~10 à 100 $ / mois</a:t>
+                      </a:r>
+                      <a:endParaRPr lang="fr-FR" sz="900" dirty="0">
+                        <a:ln>
+                          <a:solidFill>
+                            <a:schemeClr val="bg1"/>
+                          </a:solidFill>
+                        </a:ln>
+                        <a:solidFill>
+                          <a:schemeClr val="bg1"/>
+                        </a:solidFill>
+                      </a:endParaRPr>
+                    </a:p>
+                  </a:txBody>
+                  <a:tcPr anchor="ctr">
+                    <a:lnL w="12700" cap="flat" cmpd="sng" algn="ctr">
+                      <a:solidFill>
+                        <a:schemeClr val="bg1"/>
+                      </a:solidFill>
+                      <a:prstDash val="solid"/>
+                      <a:round/>
+                      <a:headEnd type="none" w="med" len="med"/>
+                      <a:tailEnd type="none" w="med" len="med"/>
+                    </a:lnL>
+                    <a:lnR w="12700" cap="flat" cmpd="sng" algn="ctr">
+                      <a:solidFill>
+                        <a:schemeClr val="bg1"/>
+                      </a:solidFill>
+                      <a:prstDash val="solid"/>
+                      <a:round/>
+                      <a:headEnd type="none" w="med" len="med"/>
+                      <a:tailEnd type="none" w="med" len="med"/>
+                    </a:lnR>
+                    <a:lnT w="12700" cap="flat" cmpd="sng" algn="ctr">
+                      <a:solidFill>
+                        <a:schemeClr val="bg1"/>
+                      </a:solidFill>
+                      <a:prstDash val="solid"/>
+                      <a:round/>
+                      <a:headEnd type="none" w="med" len="med"/>
+                      <a:tailEnd type="none" w="med" len="med"/>
+                    </a:lnT>
+                    <a:lnB w="12700" cap="flat" cmpd="sng" algn="ctr">
+                      <a:solidFill>
+                        <a:schemeClr val="bg1"/>
+                      </a:solidFill>
+                      <a:prstDash val="solid"/>
+                      <a:round/>
+                      <a:headEnd type="none" w="med" len="med"/>
+                      <a:tailEnd type="none" w="med" len="med"/>
+                    </a:lnB>
+                    <a:noFill/>
+                  </a:tcPr>
+                </a:tc>
+                <a:extLst>
+                  <a:ext uri="{0D108BD9-81ED-4DB2-BD59-A6C34878D82A}">
+                    <a16:rowId xmlns:a16="http://schemas.microsoft.com/office/drawing/2014/main" val="2075161507"/>
+                  </a:ext>
+                </a:extLst>
+              </a:tr>
+            </a:tbl>
+          </a:graphicData>
+        </a:graphic>
+      </p:graphicFrame>
     </p:spTree>
   </p:cSld>
   <p:clrMapOvr>
@@ -10531,7 +12297,7 @@
         </p:spPr>
         <p:txBody>
           <a:bodyPr spcFirstLastPara="1" wrap="square" lIns="91425" tIns="91425" rIns="91425" bIns="91425" anchor="t" anchorCtr="0">
-            <a:normAutofit/>
+            <a:normAutofit fontScale="92500" lnSpcReduction="20000"/>
           </a:bodyPr>
           <a:lstStyle/>
           <a:p>
@@ -10545,10 +12311,176 @@
               <a:buNone/>
             </a:pPr>
             <a:r>
-              <a:rPr lang="fr"/>
+              <a:rPr lang="fr" dirty="0"/>
               <a:t>Résumez  : </a:t>
             </a:r>
-            <a:endParaRPr/>
+            <a:endParaRPr dirty="0"/>
+          </a:p>
+          <a:p>
+            <a:pPr>
+              <a:buNone/>
+            </a:pPr>
+            <a:r>
+              <a:rPr lang="fr-FR" b="1" dirty="0"/>
+              <a:t>Les défis techniques rencontrés</a:t>
+            </a:r>
+          </a:p>
+          <a:p>
+            <a:pPr>
+              <a:buFont typeface="Arial" panose="020B0604020202020204" pitchFamily="34" charset="0"/>
+              <a:buChar char="•"/>
+            </a:pPr>
+            <a:r>
+              <a:rPr lang="fr-FR" dirty="0"/>
+              <a:t>Difficultés sur la segmentation des petites classes (accessoires).</a:t>
+            </a:r>
+          </a:p>
+          <a:p>
+            <a:pPr>
+              <a:buFont typeface="Arial" panose="020B0604020202020204" pitchFamily="34" charset="0"/>
+              <a:buChar char="•"/>
+            </a:pPr>
+            <a:r>
+              <a:rPr lang="fr-FR" dirty="0"/>
+              <a:t>Limitations dues à la résolution d'entrée (512x512).</a:t>
+            </a:r>
+          </a:p>
+          <a:p>
+            <a:pPr>
+              <a:buFont typeface="Arial" panose="020B0604020202020204" pitchFamily="34" charset="0"/>
+              <a:buChar char="•"/>
+            </a:pPr>
+            <a:r>
+              <a:rPr lang="fr-FR" dirty="0"/>
+              <a:t>Gestion de gros volumes (500k images) nécessitant optimisation du pipeline.</a:t>
+            </a:r>
+          </a:p>
+          <a:p>
+            <a:pPr>
+              <a:buNone/>
+            </a:pPr>
+            <a:r>
+              <a:rPr lang="fr-FR" b="1" dirty="0"/>
+              <a:t>Vos idées pour améliorer le système</a:t>
+            </a:r>
+          </a:p>
+          <a:p>
+            <a:pPr>
+              <a:buFont typeface="Arial" panose="020B0604020202020204" pitchFamily="34" charset="0"/>
+              <a:buChar char="•"/>
+            </a:pPr>
+            <a:r>
+              <a:rPr lang="fr-FR" dirty="0"/>
+              <a:t>Augmenter la résolution d'entrée (768x768 ou plus).</a:t>
+            </a:r>
+          </a:p>
+          <a:p>
+            <a:pPr>
+              <a:buFont typeface="Arial" panose="020B0604020202020204" pitchFamily="34" charset="0"/>
+              <a:buChar char="•"/>
+            </a:pPr>
+            <a:r>
+              <a:rPr lang="fr-FR" dirty="0"/>
+              <a:t>Enrichir le </a:t>
+            </a:r>
+            <a:r>
+              <a:rPr lang="fr-FR" dirty="0" err="1"/>
+              <a:t>dataset</a:t>
+            </a:r>
+            <a:r>
+              <a:rPr lang="fr-FR" dirty="0"/>
+              <a:t> sur les classes faibles.</a:t>
+            </a:r>
+          </a:p>
+          <a:p>
+            <a:pPr>
+              <a:buFont typeface="Arial" panose="020B0604020202020204" pitchFamily="34" charset="0"/>
+              <a:buChar char="•"/>
+            </a:pPr>
+            <a:r>
+              <a:rPr lang="fr-FR" dirty="0"/>
+              <a:t>Implémenter un fine-tuning sur un jeu de données spécifique </a:t>
+            </a:r>
+            <a:r>
+              <a:rPr lang="fr-FR" dirty="0" err="1"/>
+              <a:t>ModeTrend</a:t>
+            </a:r>
+            <a:r>
+              <a:rPr lang="fr-FR" dirty="0"/>
+              <a:t>.</a:t>
+            </a:r>
+          </a:p>
+          <a:p>
+            <a:pPr>
+              <a:buFont typeface="Arial" panose="020B0604020202020204" pitchFamily="34" charset="0"/>
+              <a:buChar char="•"/>
+            </a:pPr>
+            <a:r>
+              <a:rPr lang="fr-FR" dirty="0"/>
+              <a:t>Optimiser l'orchestration et le monitoring (batch, SQS, </a:t>
+            </a:r>
+            <a:r>
+              <a:rPr lang="fr-FR" dirty="0" err="1"/>
+              <a:t>Kibana</a:t>
+            </a:r>
+            <a:r>
+              <a:rPr lang="fr-FR" dirty="0"/>
+              <a:t>).</a:t>
+            </a:r>
+          </a:p>
+          <a:p>
+            <a:pPr>
+              <a:buNone/>
+            </a:pPr>
+            <a:r>
+              <a:rPr lang="fr-FR" b="1" dirty="0"/>
+              <a:t>Les applications potentielles pour les clients de </a:t>
+            </a:r>
+            <a:r>
+              <a:rPr lang="fr-FR" b="1" dirty="0" err="1"/>
+              <a:t>ModeTrend</a:t>
+            </a:r>
+            <a:endParaRPr lang="fr-FR" b="1" dirty="0"/>
+          </a:p>
+          <a:p>
+            <a:pPr>
+              <a:buFont typeface="Arial" panose="020B0604020202020204" pitchFamily="34" charset="0"/>
+              <a:buChar char="•"/>
+            </a:pPr>
+            <a:r>
+              <a:rPr lang="fr-FR" dirty="0"/>
+              <a:t>Identification automatique des vêtements portés par les influenceurs.</a:t>
+            </a:r>
+          </a:p>
+          <a:p>
+            <a:pPr>
+              <a:buFont typeface="Arial" panose="020B0604020202020204" pitchFamily="34" charset="0"/>
+              <a:buChar char="•"/>
+            </a:pPr>
+            <a:r>
+              <a:rPr lang="fr-FR" dirty="0"/>
+              <a:t>Analyse de tendances modes par catégorie.</a:t>
+            </a:r>
+          </a:p>
+          <a:p>
+            <a:pPr>
+              <a:buFont typeface="Arial" panose="020B0604020202020204" pitchFamily="34" charset="0"/>
+              <a:buChar char="•"/>
+            </a:pPr>
+            <a:r>
+              <a:rPr lang="fr-FR" dirty="0"/>
+              <a:t>Enrichissement des catalogues produits via reconnaissance automatisée.</a:t>
+            </a:r>
+          </a:p>
+          <a:p>
+            <a:pPr>
+              <a:buFont typeface="Arial" panose="020B0604020202020204" pitchFamily="34" charset="0"/>
+              <a:buChar char="•"/>
+            </a:pPr>
+            <a:r>
+              <a:rPr lang="fr-FR"/>
+              <a:t>Amélioration des recommandations personnalisées basées sur les tenues détectées.</a:t>
+            </a:r>
           </a:p>
           <a:p>
             <a:pPr marL="0" lvl="0" indent="0" algn="l" rtl="0">
@@ -10556,79 +12488,11 @@
                 <a:spcPts val="1200"/>
               </a:spcBef>
               <a:spcAft>
-                <a:spcPts val="0"/>
+                <a:spcPts val="1200"/>
               </a:spcAft>
               <a:buNone/>
             </a:pPr>
-            <a:r>
-              <a:rPr lang="fr"/>
-              <a:t>Les défis techniques rencontrés </a:t>
-            </a:r>
-            <a:endParaRPr/>
-          </a:p>
-          <a:p>
-            <a:pPr marL="0" lvl="0" indent="0" algn="l" rtl="0">
-              <a:spcBef>
-                <a:spcPts val="1200"/>
-              </a:spcBef>
-              <a:spcAft>
-                <a:spcPts val="0"/>
-              </a:spcAft>
-              <a:buNone/>
-            </a:pPr>
-            <a:r>
-              <a:rPr lang="fr"/>
-              <a:t>Vos idées pour améliorer le système</a:t>
-            </a:r>
-            <a:endParaRPr/>
-          </a:p>
-          <a:p>
-            <a:pPr marL="0" lvl="0" indent="0" algn="l" rtl="0">
-              <a:spcBef>
-                <a:spcPts val="1200"/>
-              </a:spcBef>
-              <a:spcAft>
-                <a:spcPts val="0"/>
-              </a:spcAft>
-              <a:buNone/>
-            </a:pPr>
-            <a:r>
-              <a:rPr lang="fr"/>
-              <a:t>Les applications potentielles pour les clients de ModeTrend</a:t>
-            </a:r>
-            <a:endParaRPr sz="1100">
-              <a:solidFill>
-                <a:srgbClr val="000000"/>
-              </a:solidFill>
-              <a:latin typeface="Inter"/>
-              <a:ea typeface="Inter"/>
-              <a:cs typeface="Inter"/>
-              <a:sym typeface="Inter"/>
-            </a:endParaRPr>
-          </a:p>
-          <a:p>
-            <a:pPr marL="0" lvl="0" indent="0" algn="l" rtl="0">
-              <a:spcBef>
-                <a:spcPts val="1200"/>
-              </a:spcBef>
-              <a:spcAft>
-                <a:spcPts val="0"/>
-              </a:spcAft>
-              <a:buNone/>
-            </a:pPr>
-            <a:endParaRPr/>
-          </a:p>
-          <a:p>
-            <a:pPr marL="0" lvl="0" indent="0" algn="l" rtl="0">
-              <a:spcBef>
-                <a:spcPts val="1200"/>
-              </a:spcBef>
-              <a:spcAft>
-                <a:spcPts val="1200"/>
-              </a:spcAft>
-              <a:buNone/>
-            </a:pPr>
-            <a:endParaRPr/>
+            <a:endParaRPr dirty="0"/>
           </a:p>
         </p:txBody>
       </p:sp>
